--- a/pre-made-ppt/howgreatthouart.pptx
+++ b/pre-made-ppt/howgreatthouart.pptx
@@ -1,290 +1,125 @@
 
 <file path=ppt/presentation.xml><?xml version="1.0" encoding="utf-8"?>
-<p:presentation xmlns:a="http://schemas.openxmlformats.org/drawingml/2006/main" xmlns:r="http://schemas.openxmlformats.org/officeDocument/2006/relationships" xmlns:p="http://schemas.openxmlformats.org/presentationml/2006/main" strictFirstAndLastChars="0" embedTrueTypeFonts="1" saveSubsetFonts="1" autoCompressPictures="0">
+<p:presentation xmlns:a="http://schemas.openxmlformats.org/drawingml/2006/main" xmlns:r="http://schemas.openxmlformats.org/officeDocument/2006/relationships" xmlns:p="http://schemas.openxmlformats.org/presentationml/2006/main" saveSubsetFonts="1" autoCompressPictures="0">
   <p:sldMasterIdLst>
-    <p:sldMasterId id="2147483659" r:id="rId1"/>
+    <p:sldMasterId id="2147483660" r:id="rId1"/>
   </p:sldMasterIdLst>
   <p:notesMasterIdLst>
     <p:notesMasterId r:id="rId12"/>
   </p:notesMasterIdLst>
   <p:sldIdLst>
-    <p:sldId id="256" r:id="rId2"/>
-    <p:sldId id="257" r:id="rId3"/>
-    <p:sldId id="258" r:id="rId4"/>
-    <p:sldId id="259" r:id="rId5"/>
-    <p:sldId id="260" r:id="rId6"/>
-    <p:sldId id="261" r:id="rId7"/>
-    <p:sldId id="267" r:id="rId8"/>
-    <p:sldId id="263" r:id="rId9"/>
-    <p:sldId id="264" r:id="rId10"/>
-    <p:sldId id="268" r:id="rId11"/>
+    <p:sldId id="294" r:id="rId2"/>
+    <p:sldId id="295" r:id="rId3"/>
+    <p:sldId id="296" r:id="rId4"/>
+    <p:sldId id="297" r:id="rId5"/>
+    <p:sldId id="298" r:id="rId6"/>
+    <p:sldId id="299" r:id="rId7"/>
+    <p:sldId id="300" r:id="rId8"/>
+    <p:sldId id="301" r:id="rId9"/>
+    <p:sldId id="302" r:id="rId10"/>
+    <p:sldId id="303" r:id="rId11"/>
   </p:sldIdLst>
   <p:sldSz cx="9144000" cy="6858000" type="screen4x3"/>
   <p:notesSz cx="6858000" cy="9144000"/>
-  <p:embeddedFontLst>
-    <p:embeddedFont>
-      <p:font typeface="Angsana New" pitchFamily="18" charset="-34"/>
-      <p:regular r:id="rId13"/>
-      <p:bold r:id="rId14"/>
-      <p:italic r:id="rId15"/>
-      <p:boldItalic r:id="rId16"/>
-    </p:embeddedFont>
-    <p:embeddedFont>
-      <p:font typeface="Tahoma" pitchFamily="34" charset="0"/>
-      <p:regular r:id="rId17"/>
-      <p:bold r:id="rId18"/>
-    </p:embeddedFont>
-    <p:embeddedFont>
-      <p:font typeface="Source Code Pro" pitchFamily="49" charset="0"/>
-      <p:regular r:id="rId19"/>
-      <p:bold r:id="rId20"/>
-    </p:embeddedFont>
-    <p:embeddedFont>
-      <p:font typeface="Calibri" pitchFamily="34" charset="0"/>
-      <p:regular r:id="rId21"/>
-      <p:bold r:id="rId22"/>
-      <p:italic r:id="rId23"/>
-      <p:boldItalic r:id="rId24"/>
-    </p:embeddedFont>
-    <p:embeddedFont>
-      <p:font typeface="Amatic SC" charset="-79"/>
-      <p:regular r:id="rId25"/>
-      <p:bold r:id="rId26"/>
-    </p:embeddedFont>
-  </p:embeddedFontLst>
   <p:defaultTextStyle>
-    <a:defPPr marR="0" lvl="0" algn="l" rtl="0">
-      <a:lnSpc>
-        <a:spcPct val="100000"/>
-      </a:lnSpc>
-      <a:spcBef>
-        <a:spcPts val="0"/>
-      </a:spcBef>
-      <a:spcAft>
-        <a:spcPts val="0"/>
-      </a:spcAft>
+    <a:defPPr>
+      <a:defRPr lang="en-US"/>
     </a:defPPr>
-    <a:lvl1pPr marR="0" lvl="0" algn="l" rtl="0">
-      <a:lnSpc>
-        <a:spcPct val="100000"/>
-      </a:lnSpc>
-      <a:spcBef>
-        <a:spcPts val="0"/>
-      </a:spcBef>
-      <a:spcAft>
-        <a:spcPts val="0"/>
-      </a:spcAft>
-      <a:buClr>
-        <a:srgbClr val="000000"/>
-      </a:buClr>
-      <a:buFont typeface="Arial"/>
-      <a:defRPr sz="1400" b="0" i="0" u="none" strike="noStrike" cap="none">
+    <a:lvl1pPr marL="0" algn="l" defTabSz="457200" rtl="0" eaLnBrk="1" latinLnBrk="0" hangingPunct="1">
+      <a:defRPr sz="1800" kern="1200">
         <a:solidFill>
-          <a:srgbClr val="000000"/>
+          <a:schemeClr val="tx1"/>
         </a:solidFill>
-        <a:latin typeface="Arial"/>
-        <a:ea typeface="Arial"/>
-        <a:cs typeface="Arial"/>
-        <a:sym typeface="Arial"/>
+        <a:latin typeface="+mn-lt"/>
+        <a:ea typeface="+mn-ea"/>
+        <a:cs typeface="+mn-cs"/>
       </a:defRPr>
     </a:lvl1pPr>
-    <a:lvl2pPr marR="0" lvl="1" algn="l" rtl="0">
-      <a:lnSpc>
-        <a:spcPct val="100000"/>
-      </a:lnSpc>
-      <a:spcBef>
-        <a:spcPts val="0"/>
-      </a:spcBef>
-      <a:spcAft>
-        <a:spcPts val="0"/>
-      </a:spcAft>
-      <a:buClr>
-        <a:srgbClr val="000000"/>
-      </a:buClr>
-      <a:buFont typeface="Arial"/>
-      <a:defRPr sz="1400" b="0" i="0" u="none" strike="noStrike" cap="none">
+    <a:lvl2pPr marL="457200" algn="l" defTabSz="457200" rtl="0" eaLnBrk="1" latinLnBrk="0" hangingPunct="1">
+      <a:defRPr sz="1800" kern="1200">
         <a:solidFill>
-          <a:srgbClr val="000000"/>
+          <a:schemeClr val="tx1"/>
         </a:solidFill>
-        <a:latin typeface="Arial"/>
-        <a:ea typeface="Arial"/>
-        <a:cs typeface="Arial"/>
-        <a:sym typeface="Arial"/>
+        <a:latin typeface="+mn-lt"/>
+        <a:ea typeface="+mn-ea"/>
+        <a:cs typeface="+mn-cs"/>
       </a:defRPr>
     </a:lvl2pPr>
-    <a:lvl3pPr marR="0" lvl="2" algn="l" rtl="0">
-      <a:lnSpc>
-        <a:spcPct val="100000"/>
-      </a:lnSpc>
-      <a:spcBef>
-        <a:spcPts val="0"/>
-      </a:spcBef>
-      <a:spcAft>
-        <a:spcPts val="0"/>
-      </a:spcAft>
-      <a:buClr>
-        <a:srgbClr val="000000"/>
-      </a:buClr>
-      <a:buFont typeface="Arial"/>
-      <a:defRPr sz="1400" b="0" i="0" u="none" strike="noStrike" cap="none">
+    <a:lvl3pPr marL="914400" algn="l" defTabSz="457200" rtl="0" eaLnBrk="1" latinLnBrk="0" hangingPunct="1">
+      <a:defRPr sz="1800" kern="1200">
         <a:solidFill>
-          <a:srgbClr val="000000"/>
+          <a:schemeClr val="tx1"/>
         </a:solidFill>
-        <a:latin typeface="Arial"/>
-        <a:ea typeface="Arial"/>
-        <a:cs typeface="Arial"/>
-        <a:sym typeface="Arial"/>
+        <a:latin typeface="+mn-lt"/>
+        <a:ea typeface="+mn-ea"/>
+        <a:cs typeface="+mn-cs"/>
       </a:defRPr>
     </a:lvl3pPr>
-    <a:lvl4pPr marR="0" lvl="3" algn="l" rtl="0">
-      <a:lnSpc>
-        <a:spcPct val="100000"/>
-      </a:lnSpc>
-      <a:spcBef>
-        <a:spcPts val="0"/>
-      </a:spcBef>
-      <a:spcAft>
-        <a:spcPts val="0"/>
-      </a:spcAft>
-      <a:buClr>
-        <a:srgbClr val="000000"/>
-      </a:buClr>
-      <a:buFont typeface="Arial"/>
-      <a:defRPr sz="1400" b="0" i="0" u="none" strike="noStrike" cap="none">
+    <a:lvl4pPr marL="1371600" algn="l" defTabSz="457200" rtl="0" eaLnBrk="1" latinLnBrk="0" hangingPunct="1">
+      <a:defRPr sz="1800" kern="1200">
         <a:solidFill>
-          <a:srgbClr val="000000"/>
+          <a:schemeClr val="tx1"/>
         </a:solidFill>
-        <a:latin typeface="Arial"/>
-        <a:ea typeface="Arial"/>
-        <a:cs typeface="Arial"/>
-        <a:sym typeface="Arial"/>
+        <a:latin typeface="+mn-lt"/>
+        <a:ea typeface="+mn-ea"/>
+        <a:cs typeface="+mn-cs"/>
       </a:defRPr>
     </a:lvl4pPr>
-    <a:lvl5pPr marR="0" lvl="4" algn="l" rtl="0">
-      <a:lnSpc>
-        <a:spcPct val="100000"/>
-      </a:lnSpc>
-      <a:spcBef>
-        <a:spcPts val="0"/>
-      </a:spcBef>
-      <a:spcAft>
-        <a:spcPts val="0"/>
-      </a:spcAft>
-      <a:buClr>
-        <a:srgbClr val="000000"/>
-      </a:buClr>
-      <a:buFont typeface="Arial"/>
-      <a:defRPr sz="1400" b="0" i="0" u="none" strike="noStrike" cap="none">
+    <a:lvl5pPr marL="1828800" algn="l" defTabSz="457200" rtl="0" eaLnBrk="1" latinLnBrk="0" hangingPunct="1">
+      <a:defRPr sz="1800" kern="1200">
         <a:solidFill>
-          <a:srgbClr val="000000"/>
+          <a:schemeClr val="tx1"/>
         </a:solidFill>
-        <a:latin typeface="Arial"/>
-        <a:ea typeface="Arial"/>
-        <a:cs typeface="Arial"/>
-        <a:sym typeface="Arial"/>
+        <a:latin typeface="+mn-lt"/>
+        <a:ea typeface="+mn-ea"/>
+        <a:cs typeface="+mn-cs"/>
       </a:defRPr>
     </a:lvl5pPr>
-    <a:lvl6pPr marR="0" lvl="5" algn="l" rtl="0">
-      <a:lnSpc>
-        <a:spcPct val="100000"/>
-      </a:lnSpc>
-      <a:spcBef>
-        <a:spcPts val="0"/>
-      </a:spcBef>
-      <a:spcAft>
-        <a:spcPts val="0"/>
-      </a:spcAft>
-      <a:buClr>
-        <a:srgbClr val="000000"/>
-      </a:buClr>
-      <a:buFont typeface="Arial"/>
-      <a:defRPr sz="1400" b="0" i="0" u="none" strike="noStrike" cap="none">
+    <a:lvl6pPr marL="2286000" algn="l" defTabSz="457200" rtl="0" eaLnBrk="1" latinLnBrk="0" hangingPunct="1">
+      <a:defRPr sz="1800" kern="1200">
         <a:solidFill>
-          <a:srgbClr val="000000"/>
+          <a:schemeClr val="tx1"/>
         </a:solidFill>
-        <a:latin typeface="Arial"/>
-        <a:ea typeface="Arial"/>
-        <a:cs typeface="Arial"/>
-        <a:sym typeface="Arial"/>
+        <a:latin typeface="+mn-lt"/>
+        <a:ea typeface="+mn-ea"/>
+        <a:cs typeface="+mn-cs"/>
       </a:defRPr>
     </a:lvl6pPr>
-    <a:lvl7pPr marR="0" lvl="6" algn="l" rtl="0">
-      <a:lnSpc>
-        <a:spcPct val="100000"/>
-      </a:lnSpc>
-      <a:spcBef>
-        <a:spcPts val="0"/>
-      </a:spcBef>
-      <a:spcAft>
-        <a:spcPts val="0"/>
-      </a:spcAft>
-      <a:buClr>
-        <a:srgbClr val="000000"/>
-      </a:buClr>
-      <a:buFont typeface="Arial"/>
-      <a:defRPr sz="1400" b="0" i="0" u="none" strike="noStrike" cap="none">
+    <a:lvl7pPr marL="2743200" algn="l" defTabSz="457200" rtl="0" eaLnBrk="1" latinLnBrk="0" hangingPunct="1">
+      <a:defRPr sz="1800" kern="1200">
         <a:solidFill>
-          <a:srgbClr val="000000"/>
+          <a:schemeClr val="tx1"/>
         </a:solidFill>
-        <a:latin typeface="Arial"/>
-        <a:ea typeface="Arial"/>
-        <a:cs typeface="Arial"/>
-        <a:sym typeface="Arial"/>
+        <a:latin typeface="+mn-lt"/>
+        <a:ea typeface="+mn-ea"/>
+        <a:cs typeface="+mn-cs"/>
       </a:defRPr>
     </a:lvl7pPr>
-    <a:lvl8pPr marR="0" lvl="7" algn="l" rtl="0">
-      <a:lnSpc>
-        <a:spcPct val="100000"/>
-      </a:lnSpc>
-      <a:spcBef>
-        <a:spcPts val="0"/>
-      </a:spcBef>
-      <a:spcAft>
-        <a:spcPts val="0"/>
-      </a:spcAft>
-      <a:buClr>
-        <a:srgbClr val="000000"/>
-      </a:buClr>
-      <a:buFont typeface="Arial"/>
-      <a:defRPr sz="1400" b="0" i="0" u="none" strike="noStrike" cap="none">
+    <a:lvl8pPr marL="3200400" algn="l" defTabSz="457200" rtl="0" eaLnBrk="1" latinLnBrk="0" hangingPunct="1">
+      <a:defRPr sz="1800" kern="1200">
         <a:solidFill>
-          <a:srgbClr val="000000"/>
+          <a:schemeClr val="tx1"/>
         </a:solidFill>
-        <a:latin typeface="Arial"/>
-        <a:ea typeface="Arial"/>
-        <a:cs typeface="Arial"/>
-        <a:sym typeface="Arial"/>
+        <a:latin typeface="+mn-lt"/>
+        <a:ea typeface="+mn-ea"/>
+        <a:cs typeface="+mn-cs"/>
       </a:defRPr>
     </a:lvl8pPr>
-    <a:lvl9pPr marR="0" lvl="8" algn="l" rtl="0">
-      <a:lnSpc>
-        <a:spcPct val="100000"/>
-      </a:lnSpc>
-      <a:spcBef>
-        <a:spcPts val="0"/>
-      </a:spcBef>
-      <a:spcAft>
-        <a:spcPts val="0"/>
-      </a:spcAft>
-      <a:buClr>
-        <a:srgbClr val="000000"/>
-      </a:buClr>
-      <a:buFont typeface="Arial"/>
-      <a:defRPr sz="1400" b="0" i="0" u="none" strike="noStrike" cap="none">
+    <a:lvl9pPr marL="3657600" algn="l" defTabSz="457200" rtl="0" eaLnBrk="1" latinLnBrk="0" hangingPunct="1">
+      <a:defRPr sz="1800" kern="1200">
         <a:solidFill>
-          <a:srgbClr val="000000"/>
+          <a:schemeClr val="tx1"/>
         </a:solidFill>
-        <a:latin typeface="Arial"/>
-        <a:ea typeface="Arial"/>
-        <a:cs typeface="Arial"/>
-        <a:sym typeface="Arial"/>
+        <a:latin typeface="+mn-lt"/>
+        <a:ea typeface="+mn-ea"/>
+        <a:cs typeface="+mn-cs"/>
       </a:defRPr>
     </a:lvl9pPr>
   </p:defaultTextStyle>
   <p:extLst>
     <p:ext uri="{EFAFB233-063F-42B5-8137-9DF3F51BA10A}">
-      <p15:sldGuideLst xmlns:p15="http://schemas.microsoft.com/office/powerpoint/2012/main" xmlns:p14="http://schemas.microsoft.com/office/powerpoint/2010/main" xmlns:com="http://schemas.openxmlformats.org/drawingml/2006/compatibility" xmlns:pvml="urn:schemas-microsoft-com:office:powerpoint" xmlns:v="urn:schemas-microsoft-com:vml" xmlns:o="urn:schemas-microsoft-com:office:office" xmlns:dgm="http://schemas.openxmlformats.org/drawingml/2006/diagram" xmlns:c="http://schemas.openxmlformats.org/drawingml/2006/chart" xmlns:mv="urn:schemas-microsoft-com:mac:vml" xmlns:mc="http://schemas.openxmlformats.org/markup-compatibility/2006" xmlns="">
-        <p15:guide id="1" orient="horz" pos="1620">
+      <p15:sldGuideLst xmlns:p15="http://schemas.microsoft.com/office/powerpoint/2012/main" xmlns="">
+        <p15:guide id="1" orient="horz" pos="2160">
           <p15:clr>
             <a:srgbClr val="A4A3A4"/>
           </p15:clr>
@@ -310,7 +145,7 @@
     </p:bg>
     <p:spTree>
       <p:nvGrpSpPr>
-        <p:cNvPr id="1" name="Shape 2"/>
+        <p:cNvPr id="1" name=""/>
         <p:cNvGrpSpPr/>
         <p:nvPr/>
       </p:nvGrpSpPr>
@@ -324,7 +159,73 @@
       </p:grpSpPr>
       <p:sp>
         <p:nvSpPr>
-          <p:cNvPr id="3" name="Google Shape;3;n"/>
+          <p:cNvPr id="2" name="Header Placeholder 1"/>
+          <p:cNvSpPr>
+            <a:spLocks noGrp="1"/>
+          </p:cNvSpPr>
+          <p:nvPr>
+            <p:ph type="hdr" sz="quarter"/>
+          </p:nvPr>
+        </p:nvSpPr>
+        <p:spPr>
+          <a:xfrm>
+            <a:off x="0" y="0"/>
+            <a:ext cx="2971800" cy="457200"/>
+          </a:xfrm>
+          <a:prstGeom prst="rect">
+            <a:avLst/>
+          </a:prstGeom>
+        </p:spPr>
+        <p:txBody>
+          <a:bodyPr vert="horz" lIns="91440" tIns="45720" rIns="91440" bIns="45720" rtlCol="0"/>
+          <a:lstStyle>
+            <a:lvl1pPr algn="l">
+              <a:defRPr sz="1200"/>
+            </a:lvl1pPr>
+          </a:lstStyle>
+          <a:p>
+            <a:endParaRPr lang="en-US"/>
+          </a:p>
+        </p:txBody>
+      </p:sp>
+      <p:sp>
+        <p:nvSpPr>
+          <p:cNvPr id="3" name="Date Placeholder 2"/>
+          <p:cNvSpPr>
+            <a:spLocks noGrp="1"/>
+          </p:cNvSpPr>
+          <p:nvPr>
+            <p:ph type="dt" idx="1"/>
+          </p:nvPr>
+        </p:nvSpPr>
+        <p:spPr>
+          <a:xfrm>
+            <a:off x="3884613" y="0"/>
+            <a:ext cx="2971800" cy="457200"/>
+          </a:xfrm>
+          <a:prstGeom prst="rect">
+            <a:avLst/>
+          </a:prstGeom>
+        </p:spPr>
+        <p:txBody>
+          <a:bodyPr vert="horz" lIns="91440" tIns="45720" rIns="91440" bIns="45720" rtlCol="0"/>
+          <a:lstStyle>
+            <a:lvl1pPr algn="r">
+              <a:defRPr sz="1200"/>
+            </a:lvl1pPr>
+          </a:lstStyle>
+          <a:p>
+            <a:fld id="{D753D230-4263-4EE2-9B76-2401E2EB9D3A}" type="datetimeFigureOut">
+              <a:rPr lang="en-US" smtClean="0"/>
+              <a:t>11/2/2019</a:t>
+            </a:fld>
+            <a:endParaRPr lang="en-US"/>
+          </a:p>
+        </p:txBody>
+      </p:sp>
+      <p:sp>
+        <p:nvSpPr>
+          <p:cNvPr id="4" name="Slide Image Placeholder 3"/>
           <p:cNvSpPr>
             <a:spLocks noGrp="1" noRot="1" noChangeAspect="1"/>
           </p:cNvSpPr>
@@ -337,50 +238,32 @@
             <a:off x="1143000" y="685800"/>
             <a:ext cx="4572000" cy="3429000"/>
           </a:xfrm>
-          <a:custGeom>
+          <a:prstGeom prst="rect">
             <a:avLst/>
-            <a:gdLst/>
-            <a:ahLst/>
-            <a:cxnLst/>
-            <a:rect l="l" t="t" r="r" b="b"/>
-            <a:pathLst>
-              <a:path w="120000" h="120000" extrusionOk="0">
-                <a:moveTo>
-                  <a:pt x="0" y="0"/>
-                </a:moveTo>
-                <a:lnTo>
-                  <a:pt x="120000" y="0"/>
-                </a:lnTo>
-                <a:lnTo>
-                  <a:pt x="120000" y="120000"/>
-                </a:lnTo>
-                <a:lnTo>
-                  <a:pt x="0" y="120000"/>
-                </a:lnTo>
-                <a:close/>
-              </a:path>
-            </a:pathLst>
-          </a:custGeom>
+          </a:prstGeom>
           <a:noFill/>
-          <a:ln w="9525" cap="flat" cmpd="sng">
+          <a:ln w="12700">
             <a:solidFill>
-              <a:srgbClr val="000000"/>
+              <a:prstClr val="black"/>
             </a:solidFill>
-            <a:prstDash val="solid"/>
-            <a:round/>
-            <a:headEnd type="none" w="sm" len="sm"/>
-            <a:tailEnd type="none" w="sm" len="sm"/>
           </a:ln>
         </p:spPr>
+        <p:txBody>
+          <a:bodyPr vert="horz" lIns="91440" tIns="45720" rIns="91440" bIns="45720" rtlCol="0" anchor="ctr"/>
+          <a:lstStyle/>
+          <a:p>
+            <a:endParaRPr lang="en-US"/>
+          </a:p>
+        </p:txBody>
       </p:sp>
       <p:sp>
         <p:nvSpPr>
-          <p:cNvPr id="4" name="Google Shape;4;n"/>
-          <p:cNvSpPr txBox="1">
+          <p:cNvPr id="5" name="Notes Placeholder 4"/>
+          <p:cNvSpPr>
             <a:spLocks noGrp="1"/>
           </p:cNvSpPr>
           <p:nvPr>
-            <p:ph type="body" idx="1"/>
+            <p:ph type="body" sz="quarter" idx="3"/>
           </p:nvPr>
         </p:nvSpPr>
         <p:spPr>
@@ -391,355 +274,211 @@
           <a:prstGeom prst="rect">
             <a:avLst/>
           </a:prstGeom>
-          <a:noFill/>
-          <a:ln>
-            <a:noFill/>
-          </a:ln>
         </p:spPr>
         <p:txBody>
-          <a:bodyPr spcFirstLastPara="1" wrap="square" lIns="91425" tIns="91425" rIns="91425" bIns="91425" anchor="t" anchorCtr="0">
-            <a:noAutofit/>
-          </a:bodyPr>
+          <a:bodyPr vert="horz" lIns="91440" tIns="45720" rIns="91440" bIns="45720" rtlCol="0"/>
+          <a:lstStyle/>
+          <a:p>
+            <a:pPr lvl="0"/>
+            <a:r>
+              <a:rPr lang="en-US" smtClean="0"/>
+              <a:t>Click to edit Master text styles</a:t>
+            </a:r>
+          </a:p>
+          <a:p>
+            <a:pPr lvl="1"/>
+            <a:r>
+              <a:rPr lang="en-US" smtClean="0"/>
+              <a:t>Second level</a:t>
+            </a:r>
+          </a:p>
+          <a:p>
+            <a:pPr lvl="2"/>
+            <a:r>
+              <a:rPr lang="en-US" smtClean="0"/>
+              <a:t>Third level</a:t>
+            </a:r>
+          </a:p>
+          <a:p>
+            <a:pPr lvl="3"/>
+            <a:r>
+              <a:rPr lang="en-US" smtClean="0"/>
+              <a:t>Fourth level</a:t>
+            </a:r>
+          </a:p>
+          <a:p>
+            <a:pPr lvl="4"/>
+            <a:r>
+              <a:rPr lang="en-US" smtClean="0"/>
+              <a:t>Fifth level</a:t>
+            </a:r>
+            <a:endParaRPr lang="en-US"/>
+          </a:p>
+        </p:txBody>
+      </p:sp>
+      <p:sp>
+        <p:nvSpPr>
+          <p:cNvPr id="6" name="Footer Placeholder 5"/>
+          <p:cNvSpPr>
+            <a:spLocks noGrp="1"/>
+          </p:cNvSpPr>
+          <p:nvPr>
+            <p:ph type="ftr" sz="quarter" idx="4"/>
+          </p:nvPr>
+        </p:nvSpPr>
+        <p:spPr>
+          <a:xfrm>
+            <a:off x="0" y="8685213"/>
+            <a:ext cx="2971800" cy="457200"/>
+          </a:xfrm>
+          <a:prstGeom prst="rect">
+            <a:avLst/>
+          </a:prstGeom>
+        </p:spPr>
+        <p:txBody>
+          <a:bodyPr vert="horz" lIns="91440" tIns="45720" rIns="91440" bIns="45720" rtlCol="0" anchor="b"/>
           <a:lstStyle>
-            <a:lvl1pPr marL="457200" lvl="0" indent="-298450">
-              <a:spcBef>
-                <a:spcPts val="0"/>
-              </a:spcBef>
-              <a:spcAft>
-                <a:spcPts val="0"/>
-              </a:spcAft>
-              <a:buSzPts val="1100"/>
-              <a:buChar char="●"/>
-              <a:defRPr sz="1100"/>
+            <a:lvl1pPr algn="l">
+              <a:defRPr sz="1200"/>
             </a:lvl1pPr>
-            <a:lvl2pPr marL="914400" lvl="1" indent="-298450">
-              <a:spcBef>
-                <a:spcPts val="0"/>
-              </a:spcBef>
-              <a:spcAft>
-                <a:spcPts val="0"/>
-              </a:spcAft>
-              <a:buSzPts val="1100"/>
-              <a:buChar char="○"/>
-              <a:defRPr sz="1100"/>
-            </a:lvl2pPr>
-            <a:lvl3pPr marL="1371600" lvl="2" indent="-298450">
-              <a:spcBef>
-                <a:spcPts val="0"/>
-              </a:spcBef>
-              <a:spcAft>
-                <a:spcPts val="0"/>
-              </a:spcAft>
-              <a:buSzPts val="1100"/>
-              <a:buChar char="■"/>
-              <a:defRPr sz="1100"/>
-            </a:lvl3pPr>
-            <a:lvl4pPr marL="1828800" lvl="3" indent="-298450">
-              <a:spcBef>
-                <a:spcPts val="0"/>
-              </a:spcBef>
-              <a:spcAft>
-                <a:spcPts val="0"/>
-              </a:spcAft>
-              <a:buSzPts val="1100"/>
-              <a:buChar char="●"/>
-              <a:defRPr sz="1100"/>
-            </a:lvl4pPr>
-            <a:lvl5pPr marL="2286000" lvl="4" indent="-298450">
-              <a:spcBef>
-                <a:spcPts val="0"/>
-              </a:spcBef>
-              <a:spcAft>
-                <a:spcPts val="0"/>
-              </a:spcAft>
-              <a:buSzPts val="1100"/>
-              <a:buChar char="○"/>
-              <a:defRPr sz="1100"/>
-            </a:lvl5pPr>
-            <a:lvl6pPr marL="2743200" lvl="5" indent="-298450">
-              <a:spcBef>
-                <a:spcPts val="0"/>
-              </a:spcBef>
-              <a:spcAft>
-                <a:spcPts val="0"/>
-              </a:spcAft>
-              <a:buSzPts val="1100"/>
-              <a:buChar char="■"/>
-              <a:defRPr sz="1100"/>
-            </a:lvl6pPr>
-            <a:lvl7pPr marL="3200400" lvl="6" indent="-298450">
-              <a:spcBef>
-                <a:spcPts val="0"/>
-              </a:spcBef>
-              <a:spcAft>
-                <a:spcPts val="0"/>
-              </a:spcAft>
-              <a:buSzPts val="1100"/>
-              <a:buChar char="●"/>
-              <a:defRPr sz="1100"/>
-            </a:lvl7pPr>
-            <a:lvl8pPr marL="3657600" lvl="7" indent="-298450">
-              <a:spcBef>
-                <a:spcPts val="0"/>
-              </a:spcBef>
-              <a:spcAft>
-                <a:spcPts val="0"/>
-              </a:spcAft>
-              <a:buSzPts val="1100"/>
-              <a:buChar char="○"/>
-              <a:defRPr sz="1100"/>
-            </a:lvl8pPr>
-            <a:lvl9pPr marL="4114800" lvl="8" indent="-298450">
-              <a:spcBef>
-                <a:spcPts val="0"/>
-              </a:spcBef>
-              <a:spcAft>
-                <a:spcPts val="0"/>
-              </a:spcAft>
-              <a:buSzPts val="1100"/>
-              <a:buChar char="■"/>
-              <a:defRPr sz="1100"/>
-            </a:lvl9pPr>
           </a:lstStyle>
           <a:p>
-            <a:endParaRPr/>
+            <a:endParaRPr lang="en-US"/>
+          </a:p>
+        </p:txBody>
+      </p:sp>
+      <p:sp>
+        <p:nvSpPr>
+          <p:cNvPr id="7" name="Slide Number Placeholder 6"/>
+          <p:cNvSpPr>
+            <a:spLocks noGrp="1"/>
+          </p:cNvSpPr>
+          <p:nvPr>
+            <p:ph type="sldNum" sz="quarter" idx="5"/>
+          </p:nvPr>
+        </p:nvSpPr>
+        <p:spPr>
+          <a:xfrm>
+            <a:off x="3884613" y="8685213"/>
+            <a:ext cx="2971800" cy="457200"/>
+          </a:xfrm>
+          <a:prstGeom prst="rect">
+            <a:avLst/>
+          </a:prstGeom>
+        </p:spPr>
+        <p:txBody>
+          <a:bodyPr vert="horz" lIns="91440" tIns="45720" rIns="91440" bIns="45720" rtlCol="0" anchor="b"/>
+          <a:lstStyle>
+            <a:lvl1pPr algn="r">
+              <a:defRPr sz="1200"/>
+            </a:lvl1pPr>
+          </a:lstStyle>
+          <a:p>
+            <a:fld id="{442EC89B-259B-4B49-A78D-9029023E2610}" type="slidenum">
+              <a:rPr lang="en-US" smtClean="0"/>
+              <a:t>‹#›</a:t>
+            </a:fld>
+            <a:endParaRPr lang="en-US"/>
           </a:p>
         </p:txBody>
       </p:sp>
     </p:spTree>
     <p:extLst>
       <p:ext uri="{BB962C8B-B14F-4D97-AF65-F5344CB8AC3E}">
-        <p14:creationId xmlns:p14="http://schemas.microsoft.com/office/powerpoint/2010/main" val="2253857487"/>
+        <p14:creationId xmlns:p14="http://schemas.microsoft.com/office/powerpoint/2010/main" val="2541617718"/>
       </p:ext>
     </p:extLst>
   </p:cSld>
-  <p:clrMap bg1="lt1" tx1="dk1" bg2="dk2" tx2="lt2" accent1="accent1" accent2="accent2" accent3="accent3" accent4="accent4" accent5="accent5" accent6="accent6" hlink="hlink" folHlink="folHlink"/>
+  <p:clrMap bg1="lt1" tx1="dk1" bg2="lt2" tx2="dk2" accent1="accent1" accent2="accent2" accent3="accent3" accent4="accent4" accent5="accent5" accent6="accent6" hlink="hlink" folHlink="folHlink"/>
   <p:notesStyle>
-    <a:defPPr marR="0" lvl="0" algn="l" rtl="0">
-      <a:lnSpc>
-        <a:spcPct val="100000"/>
-      </a:lnSpc>
-      <a:spcBef>
-        <a:spcPts val="0"/>
-      </a:spcBef>
-      <a:spcAft>
-        <a:spcPts val="0"/>
-      </a:spcAft>
-    </a:defPPr>
-    <a:lvl1pPr marR="0" lvl="0" algn="l" rtl="0">
-      <a:lnSpc>
-        <a:spcPct val="100000"/>
-      </a:lnSpc>
-      <a:spcBef>
-        <a:spcPts val="0"/>
-      </a:spcBef>
-      <a:spcAft>
-        <a:spcPts val="0"/>
-      </a:spcAft>
-      <a:buClr>
-        <a:srgbClr val="000000"/>
-      </a:buClr>
-      <a:buFont typeface="Arial"/>
-      <a:defRPr sz="1400" b="0" i="0" u="none" strike="noStrike" cap="none">
+    <a:lvl1pPr marL="0" algn="l" defTabSz="914400" rtl="0" eaLnBrk="1" latinLnBrk="0" hangingPunct="1">
+      <a:defRPr sz="1200" kern="1200">
         <a:solidFill>
-          <a:srgbClr val="000000"/>
+          <a:schemeClr val="tx1"/>
         </a:solidFill>
-        <a:latin typeface="Arial"/>
-        <a:ea typeface="Arial"/>
-        <a:cs typeface="Arial"/>
-        <a:sym typeface="Arial"/>
+        <a:latin typeface="+mn-lt"/>
+        <a:ea typeface="+mn-ea"/>
+        <a:cs typeface="+mn-cs"/>
       </a:defRPr>
     </a:lvl1pPr>
-    <a:lvl2pPr marR="0" lvl="1" algn="l" rtl="0">
-      <a:lnSpc>
-        <a:spcPct val="100000"/>
-      </a:lnSpc>
-      <a:spcBef>
-        <a:spcPts val="0"/>
-      </a:spcBef>
-      <a:spcAft>
-        <a:spcPts val="0"/>
-      </a:spcAft>
-      <a:buClr>
-        <a:srgbClr val="000000"/>
-      </a:buClr>
-      <a:buFont typeface="Arial"/>
-      <a:defRPr sz="1400" b="0" i="0" u="none" strike="noStrike" cap="none">
+    <a:lvl2pPr marL="457200" algn="l" defTabSz="914400" rtl="0" eaLnBrk="1" latinLnBrk="0" hangingPunct="1">
+      <a:defRPr sz="1200" kern="1200">
         <a:solidFill>
-          <a:srgbClr val="000000"/>
+          <a:schemeClr val="tx1"/>
         </a:solidFill>
-        <a:latin typeface="Arial"/>
-        <a:ea typeface="Arial"/>
-        <a:cs typeface="Arial"/>
-        <a:sym typeface="Arial"/>
+        <a:latin typeface="+mn-lt"/>
+        <a:ea typeface="+mn-ea"/>
+        <a:cs typeface="+mn-cs"/>
       </a:defRPr>
     </a:lvl2pPr>
-    <a:lvl3pPr marR="0" lvl="2" algn="l" rtl="0">
-      <a:lnSpc>
-        <a:spcPct val="100000"/>
-      </a:lnSpc>
-      <a:spcBef>
-        <a:spcPts val="0"/>
-      </a:spcBef>
-      <a:spcAft>
-        <a:spcPts val="0"/>
-      </a:spcAft>
-      <a:buClr>
-        <a:srgbClr val="000000"/>
-      </a:buClr>
-      <a:buFont typeface="Arial"/>
-      <a:defRPr sz="1400" b="0" i="0" u="none" strike="noStrike" cap="none">
+    <a:lvl3pPr marL="914400" algn="l" defTabSz="914400" rtl="0" eaLnBrk="1" latinLnBrk="0" hangingPunct="1">
+      <a:defRPr sz="1200" kern="1200">
         <a:solidFill>
-          <a:srgbClr val="000000"/>
+          <a:schemeClr val="tx1"/>
         </a:solidFill>
-        <a:latin typeface="Arial"/>
-        <a:ea typeface="Arial"/>
-        <a:cs typeface="Arial"/>
-        <a:sym typeface="Arial"/>
+        <a:latin typeface="+mn-lt"/>
+        <a:ea typeface="+mn-ea"/>
+        <a:cs typeface="+mn-cs"/>
       </a:defRPr>
     </a:lvl3pPr>
-    <a:lvl4pPr marR="0" lvl="3" algn="l" rtl="0">
-      <a:lnSpc>
-        <a:spcPct val="100000"/>
-      </a:lnSpc>
-      <a:spcBef>
-        <a:spcPts val="0"/>
-      </a:spcBef>
-      <a:spcAft>
-        <a:spcPts val="0"/>
-      </a:spcAft>
-      <a:buClr>
-        <a:srgbClr val="000000"/>
-      </a:buClr>
-      <a:buFont typeface="Arial"/>
-      <a:defRPr sz="1400" b="0" i="0" u="none" strike="noStrike" cap="none">
+    <a:lvl4pPr marL="1371600" algn="l" defTabSz="914400" rtl="0" eaLnBrk="1" latinLnBrk="0" hangingPunct="1">
+      <a:defRPr sz="1200" kern="1200">
         <a:solidFill>
-          <a:srgbClr val="000000"/>
+          <a:schemeClr val="tx1"/>
         </a:solidFill>
-        <a:latin typeface="Arial"/>
-        <a:ea typeface="Arial"/>
-        <a:cs typeface="Arial"/>
-        <a:sym typeface="Arial"/>
+        <a:latin typeface="+mn-lt"/>
+        <a:ea typeface="+mn-ea"/>
+        <a:cs typeface="+mn-cs"/>
       </a:defRPr>
     </a:lvl4pPr>
-    <a:lvl5pPr marR="0" lvl="4" algn="l" rtl="0">
-      <a:lnSpc>
-        <a:spcPct val="100000"/>
-      </a:lnSpc>
-      <a:spcBef>
-        <a:spcPts val="0"/>
-      </a:spcBef>
-      <a:spcAft>
-        <a:spcPts val="0"/>
-      </a:spcAft>
-      <a:buClr>
-        <a:srgbClr val="000000"/>
-      </a:buClr>
-      <a:buFont typeface="Arial"/>
-      <a:defRPr sz="1400" b="0" i="0" u="none" strike="noStrike" cap="none">
+    <a:lvl5pPr marL="1828800" algn="l" defTabSz="914400" rtl="0" eaLnBrk="1" latinLnBrk="0" hangingPunct="1">
+      <a:defRPr sz="1200" kern="1200">
         <a:solidFill>
-          <a:srgbClr val="000000"/>
+          <a:schemeClr val="tx1"/>
         </a:solidFill>
-        <a:latin typeface="Arial"/>
-        <a:ea typeface="Arial"/>
-        <a:cs typeface="Arial"/>
-        <a:sym typeface="Arial"/>
+        <a:latin typeface="+mn-lt"/>
+        <a:ea typeface="+mn-ea"/>
+        <a:cs typeface="+mn-cs"/>
       </a:defRPr>
     </a:lvl5pPr>
-    <a:lvl6pPr marR="0" lvl="5" algn="l" rtl="0">
-      <a:lnSpc>
-        <a:spcPct val="100000"/>
-      </a:lnSpc>
-      <a:spcBef>
-        <a:spcPts val="0"/>
-      </a:spcBef>
-      <a:spcAft>
-        <a:spcPts val="0"/>
-      </a:spcAft>
-      <a:buClr>
-        <a:srgbClr val="000000"/>
-      </a:buClr>
-      <a:buFont typeface="Arial"/>
-      <a:defRPr sz="1400" b="0" i="0" u="none" strike="noStrike" cap="none">
+    <a:lvl6pPr marL="2286000" algn="l" defTabSz="914400" rtl="0" eaLnBrk="1" latinLnBrk="0" hangingPunct="1">
+      <a:defRPr sz="1200" kern="1200">
         <a:solidFill>
-          <a:srgbClr val="000000"/>
+          <a:schemeClr val="tx1"/>
         </a:solidFill>
-        <a:latin typeface="Arial"/>
-        <a:ea typeface="Arial"/>
-        <a:cs typeface="Arial"/>
-        <a:sym typeface="Arial"/>
+        <a:latin typeface="+mn-lt"/>
+        <a:ea typeface="+mn-ea"/>
+        <a:cs typeface="+mn-cs"/>
       </a:defRPr>
     </a:lvl6pPr>
-    <a:lvl7pPr marR="0" lvl="6" algn="l" rtl="0">
-      <a:lnSpc>
-        <a:spcPct val="100000"/>
-      </a:lnSpc>
-      <a:spcBef>
-        <a:spcPts val="0"/>
-      </a:spcBef>
-      <a:spcAft>
-        <a:spcPts val="0"/>
-      </a:spcAft>
-      <a:buClr>
-        <a:srgbClr val="000000"/>
-      </a:buClr>
-      <a:buFont typeface="Arial"/>
-      <a:defRPr sz="1400" b="0" i="0" u="none" strike="noStrike" cap="none">
+    <a:lvl7pPr marL="2743200" algn="l" defTabSz="914400" rtl="0" eaLnBrk="1" latinLnBrk="0" hangingPunct="1">
+      <a:defRPr sz="1200" kern="1200">
         <a:solidFill>
-          <a:srgbClr val="000000"/>
+          <a:schemeClr val="tx1"/>
         </a:solidFill>
-        <a:latin typeface="Arial"/>
-        <a:ea typeface="Arial"/>
-        <a:cs typeface="Arial"/>
-        <a:sym typeface="Arial"/>
+        <a:latin typeface="+mn-lt"/>
+        <a:ea typeface="+mn-ea"/>
+        <a:cs typeface="+mn-cs"/>
       </a:defRPr>
     </a:lvl7pPr>
-    <a:lvl8pPr marR="0" lvl="7" algn="l" rtl="0">
-      <a:lnSpc>
-        <a:spcPct val="100000"/>
-      </a:lnSpc>
-      <a:spcBef>
-        <a:spcPts val="0"/>
-      </a:spcBef>
-      <a:spcAft>
-        <a:spcPts val="0"/>
-      </a:spcAft>
-      <a:buClr>
-        <a:srgbClr val="000000"/>
-      </a:buClr>
-      <a:buFont typeface="Arial"/>
-      <a:defRPr sz="1400" b="0" i="0" u="none" strike="noStrike" cap="none">
+    <a:lvl8pPr marL="3200400" algn="l" defTabSz="914400" rtl="0" eaLnBrk="1" latinLnBrk="0" hangingPunct="1">
+      <a:defRPr sz="1200" kern="1200">
         <a:solidFill>
-          <a:srgbClr val="000000"/>
+          <a:schemeClr val="tx1"/>
         </a:solidFill>
-        <a:latin typeface="Arial"/>
-        <a:ea typeface="Arial"/>
-        <a:cs typeface="Arial"/>
-        <a:sym typeface="Arial"/>
+        <a:latin typeface="+mn-lt"/>
+        <a:ea typeface="+mn-ea"/>
+        <a:cs typeface="+mn-cs"/>
       </a:defRPr>
     </a:lvl8pPr>
-    <a:lvl9pPr marR="0" lvl="8" algn="l" rtl="0">
-      <a:lnSpc>
-        <a:spcPct val="100000"/>
-      </a:lnSpc>
-      <a:spcBef>
-        <a:spcPts val="0"/>
-      </a:spcBef>
-      <a:spcAft>
-        <a:spcPts val="0"/>
-      </a:spcAft>
-      <a:buClr>
-        <a:srgbClr val="000000"/>
-      </a:buClr>
-      <a:buFont typeface="Arial"/>
-      <a:defRPr sz="1400" b="0" i="0" u="none" strike="noStrike" cap="none">
+    <a:lvl9pPr marL="3657600" algn="l" defTabSz="914400" rtl="0" eaLnBrk="1" latinLnBrk="0" hangingPunct="1">
+      <a:defRPr sz="1200" kern="1200">
         <a:solidFill>
-          <a:srgbClr val="000000"/>
+          <a:schemeClr val="tx1"/>
         </a:solidFill>
-        <a:latin typeface="Arial"/>
-        <a:ea typeface="Arial"/>
-        <a:cs typeface="Arial"/>
-        <a:sym typeface="Arial"/>
+        <a:latin typeface="+mn-lt"/>
+        <a:ea typeface="+mn-ea"/>
+        <a:cs typeface="+mn-cs"/>
       </a:defRPr>
     </a:lvl9pPr>
   </p:notesStyle>
@@ -1788,7 +1527,7 @@
 
 <file path=ppt/slideLayouts/slideLayout1.xml><?xml version="1.0" encoding="utf-8"?>
 <p:sldLayout xmlns:a="http://schemas.openxmlformats.org/drawingml/2006/main" xmlns:r="http://schemas.openxmlformats.org/officeDocument/2006/relationships" xmlns:p="http://schemas.openxmlformats.org/presentationml/2006/main" matchingName="Title slide" type="title">
-  <p:cSld name="TITLE">
+  <p:cSld name="Title slide">
     <p:bg>
       <p:bgPr>
         <a:solidFill>
@@ -1838,16 +1577,20 @@
           </a:bodyPr>
           <a:lstStyle/>
           <a:p>
-            <a:pPr marL="0" lvl="0" indent="0" algn="l" rtl="0">
-              <a:spcBef>
-                <a:spcPts val="0"/>
-              </a:spcBef>
-              <a:spcAft>
-                <a:spcPts val="0"/>
-              </a:spcAft>
-              <a:buNone/>
-            </a:pPr>
-            <a:endParaRPr/>
+            <a:pPr defTabSz="914400">
+              <a:buClr>
+                <a:srgbClr val="000000"/>
+              </a:buClr>
+              <a:buFont typeface="Arial"/>
+              <a:buNone/>
+            </a:pPr>
+            <a:endParaRPr sz="1400" kern="0">
+              <a:solidFill>
+                <a:srgbClr val="000000"/>
+              </a:solidFill>
+              <a:cs typeface="Arial"/>
+              <a:sym typeface="Arial"/>
+            </a:endParaRPr>
           </a:p>
         </p:txBody>
       </p:sp>
@@ -2261,24 +2004,29 @@
             </a:lvl9pPr>
           </a:lstStyle>
           <a:p>
-            <a:pPr marL="0" lvl="0" indent="0" algn="r" rtl="0">
-              <a:spcBef>
-                <a:spcPts val="0"/>
-              </a:spcBef>
-              <a:spcAft>
-                <a:spcPts val="0"/>
-              </a:spcAft>
-              <a:buNone/>
-            </a:pPr>
             <a:fld id="{00000000-1234-1234-1234-123412341234}" type="slidenum">
-              <a:rPr lang="en"/>
+              <a:rPr lang="en">
+                <a:solidFill>
+                  <a:srgbClr val="212121"/>
+                </a:solidFill>
+              </a:rPr>
+              <a:pPr/>
               <a:t>‹#›</a:t>
             </a:fld>
-            <a:endParaRPr/>
+            <a:endParaRPr>
+              <a:solidFill>
+                <a:srgbClr val="212121"/>
+              </a:solidFill>
+            </a:endParaRPr>
           </a:p>
         </p:txBody>
       </p:sp>
     </p:spTree>
+    <p:extLst>
+      <p:ext uri="{BB962C8B-B14F-4D97-AF65-F5344CB8AC3E}">
+        <p14:creationId xmlns:p14="http://schemas.microsoft.com/office/powerpoint/2010/main" val="3405771339"/>
+      </p:ext>
+    </p:extLst>
   </p:cSld>
   <p:clrMapOvr>
     <a:masterClrMapping/>
@@ -2288,7 +2036,7 @@
 
 <file path=ppt/slideLayouts/slideLayout10.xml><?xml version="1.0" encoding="utf-8"?>
 <p:sldLayout xmlns:a="http://schemas.openxmlformats.org/drawingml/2006/main" xmlns:r="http://schemas.openxmlformats.org/officeDocument/2006/relationships" xmlns:p="http://schemas.openxmlformats.org/presentationml/2006/main" matchingName="Big number">
-  <p:cSld name="BIG_NUMBER">
+  <p:cSld name="Big number">
     <p:spTree>
       <p:nvGrpSpPr>
         <p:cNvPr id="1" name="Shape 46"/>
@@ -2805,24 +2553,29 @@
             </a:lvl9pPr>
           </a:lstStyle>
           <a:p>
-            <a:pPr marL="0" lvl="0" indent="0" algn="r" rtl="0">
-              <a:spcBef>
-                <a:spcPts val="0"/>
-              </a:spcBef>
-              <a:spcAft>
-                <a:spcPts val="0"/>
-              </a:spcAft>
-              <a:buNone/>
-            </a:pPr>
             <a:fld id="{00000000-1234-1234-1234-123412341234}" type="slidenum">
-              <a:rPr lang="en"/>
+              <a:rPr lang="en">
+                <a:solidFill>
+                  <a:srgbClr val="212121"/>
+                </a:solidFill>
+              </a:rPr>
+              <a:pPr/>
               <a:t>‹#›</a:t>
             </a:fld>
-            <a:endParaRPr/>
+            <a:endParaRPr>
+              <a:solidFill>
+                <a:srgbClr val="212121"/>
+              </a:solidFill>
+            </a:endParaRPr>
           </a:p>
         </p:txBody>
       </p:sp>
     </p:spTree>
+    <p:extLst>
+      <p:ext uri="{BB962C8B-B14F-4D97-AF65-F5344CB8AC3E}">
+        <p14:creationId xmlns:p14="http://schemas.microsoft.com/office/powerpoint/2010/main" val="2188075063"/>
+      </p:ext>
+    </p:extLst>
   </p:cSld>
   <p:clrMapOvr>
     <a:masterClrMapping/>
@@ -2832,7 +2585,7 @@
 
 <file path=ppt/slideLayouts/slideLayout11.xml><?xml version="1.0" encoding="utf-8"?>
 <p:sldLayout xmlns:a="http://schemas.openxmlformats.org/drawingml/2006/main" xmlns:r="http://schemas.openxmlformats.org/officeDocument/2006/relationships" xmlns:p="http://schemas.openxmlformats.org/presentationml/2006/main" matchingName="Blank" type="blank">
-  <p:cSld name="BLANK">
+  <p:cSld name="Blank">
     <p:spTree>
       <p:nvGrpSpPr>
         <p:cNvPr id="1" name="Shape 50"/>
@@ -2909,24 +2662,29 @@
             </a:lvl9pPr>
           </a:lstStyle>
           <a:p>
-            <a:pPr marL="0" lvl="0" indent="0" algn="r" rtl="0">
-              <a:spcBef>
-                <a:spcPts val="0"/>
-              </a:spcBef>
-              <a:spcAft>
-                <a:spcPts val="0"/>
-              </a:spcAft>
-              <a:buNone/>
-            </a:pPr>
             <a:fld id="{00000000-1234-1234-1234-123412341234}" type="slidenum">
-              <a:rPr lang="en"/>
+              <a:rPr lang="en">
+                <a:solidFill>
+                  <a:srgbClr val="212121"/>
+                </a:solidFill>
+              </a:rPr>
+              <a:pPr/>
               <a:t>‹#›</a:t>
             </a:fld>
-            <a:endParaRPr/>
+            <a:endParaRPr>
+              <a:solidFill>
+                <a:srgbClr val="212121"/>
+              </a:solidFill>
+            </a:endParaRPr>
           </a:p>
         </p:txBody>
       </p:sp>
     </p:spTree>
+    <p:extLst>
+      <p:ext uri="{BB962C8B-B14F-4D97-AF65-F5344CB8AC3E}">
+        <p14:creationId xmlns:p14="http://schemas.microsoft.com/office/powerpoint/2010/main" val="1158326257"/>
+      </p:ext>
+    </p:extLst>
   </p:cSld>
   <p:clrMapOvr>
     <a:masterClrMapping/>
@@ -2936,7 +2694,7 @@
 
 <file path=ppt/slideLayouts/slideLayout2.xml><?xml version="1.0" encoding="utf-8"?>
 <p:sldLayout xmlns:a="http://schemas.openxmlformats.org/drawingml/2006/main" xmlns:r="http://schemas.openxmlformats.org/officeDocument/2006/relationships" xmlns:p="http://schemas.openxmlformats.org/presentationml/2006/main" matchingName="Section header" type="secHead">
-  <p:cSld name="SECTION_HEADER">
+  <p:cSld name="Section header">
     <p:bg>
       <p:bgPr>
         <a:solidFill>
@@ -3153,24 +2911,29 @@
             </a:lvl9pPr>
           </a:lstStyle>
           <a:p>
-            <a:pPr marL="0" lvl="0" indent="0" algn="r" rtl="0">
-              <a:spcBef>
-                <a:spcPts val="0"/>
-              </a:spcBef>
-              <a:spcAft>
-                <a:spcPts val="0"/>
-              </a:spcAft>
-              <a:buNone/>
-            </a:pPr>
             <a:fld id="{00000000-1234-1234-1234-123412341234}" type="slidenum">
-              <a:rPr lang="en"/>
+              <a:rPr lang="en">
+                <a:solidFill>
+                  <a:srgbClr val="212121"/>
+                </a:solidFill>
+              </a:rPr>
+              <a:pPr/>
               <a:t>‹#›</a:t>
             </a:fld>
-            <a:endParaRPr/>
+            <a:endParaRPr>
+              <a:solidFill>
+                <a:srgbClr val="212121"/>
+              </a:solidFill>
+            </a:endParaRPr>
           </a:p>
         </p:txBody>
       </p:sp>
     </p:spTree>
+    <p:extLst>
+      <p:ext uri="{BB962C8B-B14F-4D97-AF65-F5344CB8AC3E}">
+        <p14:creationId xmlns:p14="http://schemas.microsoft.com/office/powerpoint/2010/main" val="859550039"/>
+      </p:ext>
+    </p:extLst>
   </p:cSld>
   <p:clrMapOvr>
     <a:masterClrMapping/>
@@ -3180,7 +2943,7 @@
 
 <file path=ppt/slideLayouts/slideLayout3.xml><?xml version="1.0" encoding="utf-8"?>
 <p:sldLayout xmlns:a="http://schemas.openxmlformats.org/drawingml/2006/main" xmlns:r="http://schemas.openxmlformats.org/officeDocument/2006/relationships" xmlns:p="http://schemas.openxmlformats.org/presentationml/2006/main" matchingName="Title and body" type="tx">
-  <p:cSld name="TITLE_AND_BODY">
+  <p:cSld name="Title and body">
     <p:spTree>
       <p:nvGrpSpPr>
         <p:cNvPr id="1" name="Shape 17"/>
@@ -3515,24 +3278,29 @@
             </a:lvl9pPr>
           </a:lstStyle>
           <a:p>
-            <a:pPr marL="0" lvl="0" indent="0" algn="r" rtl="0">
-              <a:spcBef>
-                <a:spcPts val="0"/>
-              </a:spcBef>
-              <a:spcAft>
-                <a:spcPts val="0"/>
-              </a:spcAft>
-              <a:buNone/>
-            </a:pPr>
             <a:fld id="{00000000-1234-1234-1234-123412341234}" type="slidenum">
-              <a:rPr lang="en"/>
+              <a:rPr lang="en">
+                <a:solidFill>
+                  <a:srgbClr val="212121"/>
+                </a:solidFill>
+              </a:rPr>
+              <a:pPr/>
               <a:t>‹#›</a:t>
             </a:fld>
-            <a:endParaRPr/>
+            <a:endParaRPr>
+              <a:solidFill>
+                <a:srgbClr val="212121"/>
+              </a:solidFill>
+            </a:endParaRPr>
           </a:p>
         </p:txBody>
       </p:sp>
     </p:spTree>
+    <p:extLst>
+      <p:ext uri="{BB962C8B-B14F-4D97-AF65-F5344CB8AC3E}">
+        <p14:creationId xmlns:p14="http://schemas.microsoft.com/office/powerpoint/2010/main" val="598712976"/>
+      </p:ext>
+    </p:extLst>
   </p:cSld>
   <p:clrMapOvr>
     <a:masterClrMapping/>
@@ -3542,7 +3310,7 @@
 
 <file path=ppt/slideLayouts/slideLayout4.xml><?xml version="1.0" encoding="utf-8"?>
 <p:sldLayout xmlns:a="http://schemas.openxmlformats.org/drawingml/2006/main" xmlns:r="http://schemas.openxmlformats.org/officeDocument/2006/relationships" xmlns:p="http://schemas.openxmlformats.org/presentationml/2006/main" matchingName="Title and two columns" type="twoColTx">
-  <p:cSld name="TITLE_AND_TWO_COLUMNS">
+  <p:cSld name="Title and two columns">
     <p:spTree>
       <p:nvGrpSpPr>
         <p:cNvPr id="1" name="Shape 21"/>
@@ -4006,24 +3774,29 @@
             </a:lvl9pPr>
           </a:lstStyle>
           <a:p>
-            <a:pPr marL="0" lvl="0" indent="0" algn="r" rtl="0">
-              <a:spcBef>
-                <a:spcPts val="0"/>
-              </a:spcBef>
-              <a:spcAft>
-                <a:spcPts val="0"/>
-              </a:spcAft>
-              <a:buNone/>
-            </a:pPr>
             <a:fld id="{00000000-1234-1234-1234-123412341234}" type="slidenum">
-              <a:rPr lang="en"/>
+              <a:rPr lang="en">
+                <a:solidFill>
+                  <a:srgbClr val="212121"/>
+                </a:solidFill>
+              </a:rPr>
+              <a:pPr/>
               <a:t>‹#›</a:t>
             </a:fld>
-            <a:endParaRPr/>
+            <a:endParaRPr>
+              <a:solidFill>
+                <a:srgbClr val="212121"/>
+              </a:solidFill>
+            </a:endParaRPr>
           </a:p>
         </p:txBody>
       </p:sp>
     </p:spTree>
+    <p:extLst>
+      <p:ext uri="{BB962C8B-B14F-4D97-AF65-F5344CB8AC3E}">
+        <p14:creationId xmlns:p14="http://schemas.microsoft.com/office/powerpoint/2010/main" val="946497190"/>
+      </p:ext>
+    </p:extLst>
   </p:cSld>
   <p:clrMapOvr>
     <a:masterClrMapping/>
@@ -4033,7 +3806,7 @@
 
 <file path=ppt/slideLayouts/slideLayout5.xml><?xml version="1.0" encoding="utf-8"?>
 <p:sldLayout xmlns:a="http://schemas.openxmlformats.org/drawingml/2006/main" xmlns:r="http://schemas.openxmlformats.org/officeDocument/2006/relationships" xmlns:p="http://schemas.openxmlformats.org/presentationml/2006/main" matchingName="Title only" type="titleOnly">
-  <p:cSld name="TITLE_ONLY">
+  <p:cSld name="Title only">
     <p:spTree>
       <p:nvGrpSpPr>
         <p:cNvPr id="1" name="Shape 26"/>
@@ -4239,24 +4012,29 @@
             </a:lvl9pPr>
           </a:lstStyle>
           <a:p>
-            <a:pPr marL="0" lvl="0" indent="0" algn="r" rtl="0">
-              <a:spcBef>
-                <a:spcPts val="0"/>
-              </a:spcBef>
-              <a:spcAft>
-                <a:spcPts val="0"/>
-              </a:spcAft>
-              <a:buNone/>
-            </a:pPr>
             <a:fld id="{00000000-1234-1234-1234-123412341234}" type="slidenum">
-              <a:rPr lang="en"/>
+              <a:rPr lang="en">
+                <a:solidFill>
+                  <a:srgbClr val="212121"/>
+                </a:solidFill>
+              </a:rPr>
+              <a:pPr/>
               <a:t>‹#›</a:t>
             </a:fld>
-            <a:endParaRPr/>
+            <a:endParaRPr>
+              <a:solidFill>
+                <a:srgbClr val="212121"/>
+              </a:solidFill>
+            </a:endParaRPr>
           </a:p>
         </p:txBody>
       </p:sp>
     </p:spTree>
+    <p:extLst>
+      <p:ext uri="{BB962C8B-B14F-4D97-AF65-F5344CB8AC3E}">
+        <p14:creationId xmlns:p14="http://schemas.microsoft.com/office/powerpoint/2010/main" val="2370337971"/>
+      </p:ext>
+    </p:extLst>
   </p:cSld>
   <p:clrMapOvr>
     <a:masterClrMapping/>
@@ -4266,7 +4044,7 @@
 
 <file path=ppt/slideLayouts/slideLayout6.xml><?xml version="1.0" encoding="utf-8"?>
 <p:sldLayout xmlns:a="http://schemas.openxmlformats.org/drawingml/2006/main" xmlns:r="http://schemas.openxmlformats.org/officeDocument/2006/relationships" xmlns:p="http://schemas.openxmlformats.org/presentationml/2006/main" matchingName="One column text">
-  <p:cSld name="ONE_COLUMN_TEXT">
+  <p:cSld name="One column text">
     <p:spTree>
       <p:nvGrpSpPr>
         <p:cNvPr id="1" name="Shape 29"/>
@@ -4637,24 +4415,29 @@
             </a:lvl9pPr>
           </a:lstStyle>
           <a:p>
-            <a:pPr marL="0" lvl="0" indent="0" algn="r" rtl="0">
-              <a:spcBef>
-                <a:spcPts val="0"/>
-              </a:spcBef>
-              <a:spcAft>
-                <a:spcPts val="0"/>
-              </a:spcAft>
-              <a:buNone/>
-            </a:pPr>
             <a:fld id="{00000000-1234-1234-1234-123412341234}" type="slidenum">
-              <a:rPr lang="en"/>
+              <a:rPr lang="en">
+                <a:solidFill>
+                  <a:srgbClr val="212121"/>
+                </a:solidFill>
+              </a:rPr>
+              <a:pPr/>
               <a:t>‹#›</a:t>
             </a:fld>
-            <a:endParaRPr/>
+            <a:endParaRPr>
+              <a:solidFill>
+                <a:srgbClr val="212121"/>
+              </a:solidFill>
+            </a:endParaRPr>
           </a:p>
         </p:txBody>
       </p:sp>
     </p:spTree>
+    <p:extLst>
+      <p:ext uri="{BB962C8B-B14F-4D97-AF65-F5344CB8AC3E}">
+        <p14:creationId xmlns:p14="http://schemas.microsoft.com/office/powerpoint/2010/main" val="3568845407"/>
+      </p:ext>
+    </p:extLst>
   </p:cSld>
   <p:clrMapOvr>
     <a:masterClrMapping/>
@@ -4664,7 +4447,7 @@
 
 <file path=ppt/slideLayouts/slideLayout7.xml><?xml version="1.0" encoding="utf-8"?>
 <p:sldLayout xmlns:a="http://schemas.openxmlformats.org/drawingml/2006/main" xmlns:r="http://schemas.openxmlformats.org/officeDocument/2006/relationships" xmlns:p="http://schemas.openxmlformats.org/presentationml/2006/main" matchingName="Main point">
-  <p:cSld name="MAIN_POINT">
+  <p:cSld name="Main point">
     <p:bg>
       <p:bgPr>
         <a:solidFill>
@@ -4977,24 +4760,29 @@
             </a:lvl9pPr>
           </a:lstStyle>
           <a:p>
-            <a:pPr marL="0" lvl="0" indent="0" algn="r" rtl="0">
-              <a:spcBef>
-                <a:spcPts val="0"/>
-              </a:spcBef>
-              <a:spcAft>
-                <a:spcPts val="0"/>
-              </a:spcAft>
-              <a:buNone/>
-            </a:pPr>
             <a:fld id="{00000000-1234-1234-1234-123412341234}" type="slidenum">
-              <a:rPr lang="en"/>
+              <a:rPr lang="en">
+                <a:solidFill>
+                  <a:srgbClr val="FFFFFF"/>
+                </a:solidFill>
+              </a:rPr>
+              <a:pPr/>
               <a:t>‹#›</a:t>
             </a:fld>
-            <a:endParaRPr/>
+            <a:endParaRPr>
+              <a:solidFill>
+                <a:srgbClr val="FFFFFF"/>
+              </a:solidFill>
+            </a:endParaRPr>
           </a:p>
         </p:txBody>
       </p:sp>
     </p:spTree>
+    <p:extLst>
+      <p:ext uri="{BB962C8B-B14F-4D97-AF65-F5344CB8AC3E}">
+        <p14:creationId xmlns:p14="http://schemas.microsoft.com/office/powerpoint/2010/main" val="876686222"/>
+      </p:ext>
+    </p:extLst>
   </p:cSld>
   <p:clrMapOvr>
     <a:masterClrMapping/>
@@ -5004,7 +4792,7 @@
 
 <file path=ppt/slideLayouts/slideLayout8.xml><?xml version="1.0" encoding="utf-8"?>
 <p:sldLayout xmlns:a="http://schemas.openxmlformats.org/drawingml/2006/main" xmlns:r="http://schemas.openxmlformats.org/officeDocument/2006/relationships" xmlns:p="http://schemas.openxmlformats.org/presentationml/2006/main" matchingName="Section title and description">
-  <p:cSld name="SECTION_TITLE_AND_DESCRIPTION">
+  <p:cSld name="Section title and description">
     <p:spTree>
       <p:nvGrpSpPr>
         <p:cNvPr id="1" name="Shape 36"/>
@@ -5046,16 +4834,20 @@
           </a:bodyPr>
           <a:lstStyle/>
           <a:p>
-            <a:pPr marL="0" lvl="0" indent="0" algn="l" rtl="0">
-              <a:spcBef>
-                <a:spcPts val="0"/>
-              </a:spcBef>
-              <a:spcAft>
-                <a:spcPts val="0"/>
-              </a:spcAft>
-              <a:buNone/>
-            </a:pPr>
-            <a:endParaRPr/>
+            <a:pPr defTabSz="914400">
+              <a:buClr>
+                <a:srgbClr val="000000"/>
+              </a:buClr>
+              <a:buFont typeface="Arial"/>
+              <a:buNone/>
+            </a:pPr>
+            <a:endParaRPr sz="1400" kern="0">
+              <a:solidFill>
+                <a:srgbClr val="000000"/>
+              </a:solidFill>
+              <a:cs typeface="Arial"/>
+              <a:sym typeface="Arial"/>
+            </a:endParaRPr>
           </a:p>
         </p:txBody>
       </p:sp>
@@ -5651,24 +5443,29 @@
             </a:lvl9pPr>
           </a:lstStyle>
           <a:p>
-            <a:pPr marL="0" lvl="0" indent="0" algn="r" rtl="0">
-              <a:spcBef>
-                <a:spcPts val="0"/>
-              </a:spcBef>
-              <a:spcAft>
-                <a:spcPts val="0"/>
-              </a:spcAft>
-              <a:buNone/>
-            </a:pPr>
             <a:fld id="{00000000-1234-1234-1234-123412341234}" type="slidenum">
-              <a:rPr lang="en"/>
+              <a:rPr lang="en">
+                <a:solidFill>
+                  <a:srgbClr val="212121"/>
+                </a:solidFill>
+              </a:rPr>
+              <a:pPr/>
               <a:t>‹#›</a:t>
             </a:fld>
-            <a:endParaRPr/>
+            <a:endParaRPr>
+              <a:solidFill>
+                <a:srgbClr val="212121"/>
+              </a:solidFill>
+            </a:endParaRPr>
           </a:p>
         </p:txBody>
       </p:sp>
     </p:spTree>
+    <p:extLst>
+      <p:ext uri="{BB962C8B-B14F-4D97-AF65-F5344CB8AC3E}">
+        <p14:creationId xmlns:p14="http://schemas.microsoft.com/office/powerpoint/2010/main" val="4013198555"/>
+      </p:ext>
+    </p:extLst>
   </p:cSld>
   <p:clrMapOvr>
     <a:masterClrMapping/>
@@ -5678,7 +5475,7 @@
 
 <file path=ppt/slideLayouts/slideLayout9.xml><?xml version="1.0" encoding="utf-8"?>
 <p:sldLayout xmlns:a="http://schemas.openxmlformats.org/drawingml/2006/main" xmlns:r="http://schemas.openxmlformats.org/officeDocument/2006/relationships" xmlns:p="http://schemas.openxmlformats.org/presentationml/2006/main" matchingName="Caption">
-  <p:cSld name="CAPTION_ONLY">
+  <p:cSld name="Caption">
     <p:spTree>
       <p:nvGrpSpPr>
         <p:cNvPr id="1" name="Shape 43"/>
@@ -5811,24 +5608,29 @@
             </a:lvl9pPr>
           </a:lstStyle>
           <a:p>
-            <a:pPr marL="0" lvl="0" indent="0" algn="r" rtl="0">
-              <a:spcBef>
-                <a:spcPts val="0"/>
-              </a:spcBef>
-              <a:spcAft>
-                <a:spcPts val="0"/>
-              </a:spcAft>
-              <a:buNone/>
-            </a:pPr>
             <a:fld id="{00000000-1234-1234-1234-123412341234}" type="slidenum">
-              <a:rPr lang="en"/>
+              <a:rPr lang="en">
+                <a:solidFill>
+                  <a:srgbClr val="212121"/>
+                </a:solidFill>
+              </a:rPr>
+              <a:pPr/>
               <a:t>‹#›</a:t>
             </a:fld>
-            <a:endParaRPr/>
+            <a:endParaRPr>
+              <a:solidFill>
+                <a:srgbClr val="212121"/>
+              </a:solidFill>
+            </a:endParaRPr>
           </a:p>
         </p:txBody>
       </p:sp>
     </p:spTree>
+    <p:extLst>
+      <p:ext uri="{BB962C8B-B14F-4D97-AF65-F5344CB8AC3E}">
+        <p14:creationId xmlns:p14="http://schemas.microsoft.com/office/powerpoint/2010/main" val="1645446431"/>
+      </p:ext>
+    </p:extLst>
   </p:cSld>
   <p:clrMapOvr>
     <a:masterClrMapping/>
@@ -5838,7 +5640,7 @@
 
 <file path=ppt/slideMasters/slideMaster1.xml><?xml version="1.0" encoding="utf-8"?>
 <p:sldMaster xmlns:a="http://schemas.openxmlformats.org/drawingml/2006/main" xmlns:r="http://schemas.openxmlformats.org/officeDocument/2006/relationships" xmlns:p="http://schemas.openxmlformats.org/presentationml/2006/main">
-  <p:cSld name="beach-day">
+  <p:cSld>
     <p:bg>
       <p:bgPr>
         <a:solidFill>
@@ -6508,38 +6310,56 @@
             </a:lvl9pPr>
           </a:lstStyle>
           <a:p>
-            <a:pPr marL="0" lvl="0" indent="0" algn="r" rtl="0">
-              <a:spcBef>
-                <a:spcPts val="0"/>
-              </a:spcBef>
-              <a:spcAft>
-                <a:spcPts val="0"/>
-              </a:spcAft>
+            <a:pPr defTabSz="914400">
+              <a:buClr>
+                <a:srgbClr val="000000"/>
+              </a:buClr>
+              <a:buFont typeface="Arial"/>
               <a:buNone/>
             </a:pPr>
             <a:fld id="{00000000-1234-1234-1234-123412341234}" type="slidenum">
-              <a:rPr lang="en"/>
+              <a:rPr lang="en" kern="0">
+                <a:solidFill>
+                  <a:srgbClr val="212121"/>
+                </a:solidFill>
+              </a:rPr>
+              <a:pPr defTabSz="914400">
+                <a:buClr>
+                  <a:srgbClr val="000000"/>
+                </a:buClr>
+                <a:buFont typeface="Arial"/>
+                <a:buNone/>
+              </a:pPr>
               <a:t>‹#›</a:t>
             </a:fld>
-            <a:endParaRPr/>
+            <a:endParaRPr kern="0">
+              <a:solidFill>
+                <a:srgbClr val="212121"/>
+              </a:solidFill>
+            </a:endParaRPr>
           </a:p>
         </p:txBody>
       </p:sp>
     </p:spTree>
+    <p:extLst>
+      <p:ext uri="{BB962C8B-B14F-4D97-AF65-F5344CB8AC3E}">
+        <p14:creationId xmlns:p14="http://schemas.microsoft.com/office/powerpoint/2010/main" val="204662864"/>
+      </p:ext>
+    </p:extLst>
   </p:cSld>
   <p:clrMap bg1="lt1" tx1="dk1" bg2="dk2" tx2="lt2" accent1="accent1" accent2="accent2" accent3="accent3" accent4="accent4" accent5="accent5" accent6="accent6" hlink="hlink" folHlink="folHlink"/>
   <p:sldLayoutIdLst>
-    <p:sldLayoutId id="2147483648" r:id="rId1"/>
-    <p:sldLayoutId id="2147483649" r:id="rId2"/>
-    <p:sldLayoutId id="2147483650" r:id="rId3"/>
-    <p:sldLayoutId id="2147483651" r:id="rId4"/>
-    <p:sldLayoutId id="2147483652" r:id="rId5"/>
-    <p:sldLayoutId id="2147483653" r:id="rId6"/>
-    <p:sldLayoutId id="2147483654" r:id="rId7"/>
-    <p:sldLayoutId id="2147483655" r:id="rId8"/>
-    <p:sldLayoutId id="2147483656" r:id="rId9"/>
-    <p:sldLayoutId id="2147483657" r:id="rId10"/>
-    <p:sldLayoutId id="2147483658" r:id="rId11"/>
+    <p:sldLayoutId id="2147483661" r:id="rId1"/>
+    <p:sldLayoutId id="2147483662" r:id="rId2"/>
+    <p:sldLayoutId id="2147483663" r:id="rId3"/>
+    <p:sldLayoutId id="2147483664" r:id="rId4"/>
+    <p:sldLayoutId id="2147483665" r:id="rId5"/>
+    <p:sldLayoutId id="2147483666" r:id="rId6"/>
+    <p:sldLayoutId id="2147483667" r:id="rId7"/>
+    <p:sldLayoutId id="2147483668" r:id="rId8"/>
+    <p:sldLayoutId id="2147483669" r:id="rId9"/>
+    <p:sldLayoutId id="2147483670" r:id="rId10"/>
+    <p:sldLayoutId id="2147483671" r:id="rId11"/>
   </p:sldLayoutIdLst>
   <p:hf sldNum="0" hdr="0" ftr="0" dt="0"/>
   <p:txStyles>
@@ -7279,7 +7099,7 @@
         <p:spPr>
           <a:xfrm>
             <a:off x="311700" y="522867"/>
-            <a:ext cx="8520600" cy="3587200"/>
+            <a:ext cx="8520600" cy="2747871"/>
           </a:xfrm>
           <a:prstGeom prst="rect">
             <a:avLst/>
@@ -7301,10 +7121,10 @@
               <a:buNone/>
             </a:pPr>
             <a:r>
-              <a:rPr lang="en"/>
+              <a:rPr lang="en" sz="6600" dirty="0"/>
               <a:t>How Great Thou Art</a:t>
             </a:r>
-            <a:endParaRPr/>
+            <a:endParaRPr sz="6600" dirty="0"/>
           </a:p>
         </p:txBody>
       </p:sp>
@@ -7362,6 +7182,11 @@
         </p:txBody>
       </p:sp>
     </p:spTree>
+    <p:extLst>
+      <p:ext uri="{BB962C8B-B14F-4D97-AF65-F5344CB8AC3E}">
+        <p14:creationId xmlns:p14="http://schemas.microsoft.com/office/powerpoint/2010/main" val="1984619625"/>
+      </p:ext>
+    </p:extLst>
   </p:cSld>
   <p:clrMapOvr>
     <a:masterClrMapping/>
@@ -10449,7 +10274,7 @@
     </p:spTree>
     <p:extLst>
       <p:ext uri="{BB962C8B-B14F-4D97-AF65-F5344CB8AC3E}">
-        <p14:creationId xmlns:p14="http://schemas.microsoft.com/office/powerpoint/2010/main" val="131311512"/>
+        <p14:creationId xmlns:p14="http://schemas.microsoft.com/office/powerpoint/2010/main" val="241754451"/>
       </p:ext>
     </p:extLst>
   </p:cSld>
@@ -10942,6 +10767,11 @@
         </p:txBody>
       </p:sp>
     </p:spTree>
+    <p:extLst>
+      <p:ext uri="{BB962C8B-B14F-4D97-AF65-F5344CB8AC3E}">
+        <p14:creationId xmlns:p14="http://schemas.microsoft.com/office/powerpoint/2010/main" val="2171578666"/>
+      </p:ext>
+    </p:extLst>
   </p:cSld>
   <p:clrMapOvr>
     <a:masterClrMapping/>
@@ -11473,6 +11303,11 @@
         </p:txBody>
       </p:sp>
     </p:spTree>
+    <p:extLst>
+      <p:ext uri="{BB962C8B-B14F-4D97-AF65-F5344CB8AC3E}">
+        <p14:creationId xmlns:p14="http://schemas.microsoft.com/office/powerpoint/2010/main" val="3419477605"/>
+      </p:ext>
+    </p:extLst>
   </p:cSld>
   <p:clrMapOvr>
     <a:masterClrMapping/>
@@ -14558,6 +14393,11 @@
         </p:txBody>
       </p:sp>
     </p:spTree>
+    <p:extLst>
+      <p:ext uri="{BB962C8B-B14F-4D97-AF65-F5344CB8AC3E}">
+        <p14:creationId xmlns:p14="http://schemas.microsoft.com/office/powerpoint/2010/main" val="792664312"/>
+      </p:ext>
+    </p:extLst>
   </p:cSld>
   <p:clrMapOvr>
     <a:masterClrMapping/>
@@ -14992,6 +14832,11 @@
         </p:txBody>
       </p:sp>
     </p:spTree>
+    <p:extLst>
+      <p:ext uri="{BB962C8B-B14F-4D97-AF65-F5344CB8AC3E}">
+        <p14:creationId xmlns:p14="http://schemas.microsoft.com/office/powerpoint/2010/main" val="930317751"/>
+      </p:ext>
+    </p:extLst>
   </p:cSld>
   <p:clrMapOvr>
     <a:masterClrMapping/>
@@ -15415,6 +15260,11 @@
         </p:txBody>
       </p:sp>
     </p:spTree>
+    <p:extLst>
+      <p:ext uri="{BB962C8B-B14F-4D97-AF65-F5344CB8AC3E}">
+        <p14:creationId xmlns:p14="http://schemas.microsoft.com/office/powerpoint/2010/main" val="3796190157"/>
+      </p:ext>
+    </p:extLst>
   </p:cSld>
   <p:clrMapOvr>
     <a:masterClrMapping/>
@@ -18502,7 +18352,7 @@
     </p:spTree>
     <p:extLst>
       <p:ext uri="{BB962C8B-B14F-4D97-AF65-F5344CB8AC3E}">
-        <p14:creationId xmlns:p14="http://schemas.microsoft.com/office/powerpoint/2010/main" val="131311512"/>
+        <p14:creationId xmlns:p14="http://schemas.microsoft.com/office/powerpoint/2010/main" val="1544085742"/>
       </p:ext>
     </p:extLst>
   </p:cSld>
@@ -18928,6 +18778,11 @@
         </p:txBody>
       </p:sp>
     </p:spTree>
+    <p:extLst>
+      <p:ext uri="{BB962C8B-B14F-4D97-AF65-F5344CB8AC3E}">
+        <p14:creationId xmlns:p14="http://schemas.microsoft.com/office/powerpoint/2010/main" val="3345015363"/>
+      </p:ext>
+    </p:extLst>
   </p:cSld>
   <p:clrMapOvr>
     <a:masterClrMapping/>
@@ -19356,6 +19211,11 @@
         </p:txBody>
       </p:sp>
     </p:spTree>
+    <p:extLst>
+      <p:ext uri="{BB962C8B-B14F-4D97-AF65-F5344CB8AC3E}">
+        <p14:creationId xmlns:p14="http://schemas.microsoft.com/office/powerpoint/2010/main" val="823538463"/>
+      </p:ext>
+    </p:extLst>
   </p:cSld>
   <p:clrMapOvr>
     <a:masterClrMapping/>
@@ -19645,49 +19505,49 @@
 </file>
 
 <file path=ppt/theme/theme2.xml><?xml version="1.0" encoding="utf-8"?>
-<a:theme xmlns:a="http://schemas.openxmlformats.org/drawingml/2006/main">
+<a:theme xmlns:a="http://schemas.openxmlformats.org/drawingml/2006/main" name="Office Theme">
   <a:themeElements>
-    <a:clrScheme name="Default">
+    <a:clrScheme name="Office">
       <a:dk1>
-        <a:srgbClr val="000000"/>
+        <a:sysClr val="windowText" lastClr="000000"/>
       </a:dk1>
       <a:lt1>
-        <a:srgbClr val="FFFFFF"/>
+        <a:sysClr val="window" lastClr="FFFFFF"/>
       </a:lt1>
       <a:dk2>
-        <a:srgbClr val="158158"/>
+        <a:srgbClr val="1F497D"/>
       </a:dk2>
       <a:lt2>
-        <a:srgbClr val="F3F3F3"/>
+        <a:srgbClr val="EEECE1"/>
       </a:lt2>
       <a:accent1>
-        <a:srgbClr val="058DC7"/>
+        <a:srgbClr val="4F81BD"/>
       </a:accent1>
       <a:accent2>
-        <a:srgbClr val="50B432"/>
+        <a:srgbClr val="C0504D"/>
       </a:accent2>
       <a:accent3>
-        <a:srgbClr val="ED561B"/>
+        <a:srgbClr val="9BBB59"/>
       </a:accent3>
       <a:accent4>
-        <a:srgbClr val="EDEF00"/>
+        <a:srgbClr val="8064A2"/>
       </a:accent4>
       <a:accent5>
-        <a:srgbClr val="24CBE5"/>
+        <a:srgbClr val="4BACC6"/>
       </a:accent5>
       <a:accent6>
-        <a:srgbClr val="64E572"/>
+        <a:srgbClr val="F79646"/>
       </a:accent6>
       <a:hlink>
-        <a:srgbClr val="2200CC"/>
+        <a:srgbClr val="0000FF"/>
       </a:hlink>
       <a:folHlink>
-        <a:srgbClr val="551A8B"/>
+        <a:srgbClr val="800080"/>
       </a:folHlink>
     </a:clrScheme>
     <a:fontScheme name="Office">
       <a:majorFont>
-        <a:latin typeface="Arial"/>
+        <a:latin typeface="Calibri"/>
         <a:ea typeface=""/>
         <a:cs typeface=""/>
         <a:font script="Jpan" typeface="ＭＳ Ｐゴシック"/>
@@ -19722,7 +19582,7 @@
         <a:font script="Geor" typeface="Sylfaen"/>
       </a:majorFont>
       <a:minorFont>
-        <a:latin typeface="Arial"/>
+        <a:latin typeface="Calibri"/>
         <a:ea typeface=""/>
         <a:cs typeface=""/>
         <a:font script="Jpan" typeface="ＭＳ Ｐゴシック"/>
@@ -19789,16 +19649,20 @@
           <a:gsLst>
             <a:gs pos="0">
               <a:schemeClr val="phClr">
-                <a:tint val="100000"/>
-                <a:shade val="100000"/>
+                <a:shade val="51000"/>
+                <a:satMod val="130000"/>
+              </a:schemeClr>
+            </a:gs>
+            <a:gs pos="80000">
+              <a:schemeClr val="phClr">
+                <a:shade val="93000"/>
                 <a:satMod val="130000"/>
               </a:schemeClr>
             </a:gs>
             <a:gs pos="100000">
               <a:schemeClr val="phClr">
-                <a:tint val="50000"/>
-                <a:shade val="100000"/>
-                <a:satMod val="350000"/>
+                <a:shade val="94000"/>
+                <a:satMod val="135000"/>
               </a:schemeClr>
             </a:gs>
           </a:gsLst>
